--- a/프론트엔드기초(PPT)/JAVASCRIPT 3강_변수와 데이터타입 - 복사본.pptx
+++ b/프론트엔드기초(PPT)/JAVASCRIPT 3강_변수와 데이터타입 - 복사본.pptx
@@ -300,7 +300,7 @@
           <a:p>
             <a:fld id="{FB30EDBD-1C2D-4C1E-B459-B60219FAB484}" type="datetimeFigureOut">
               <a:rPr lang="ko-KR" altLang="en-US" smtClean="0"/>
-              <a:t>2020-09-26</a:t>
+              <a:t>2020-10-17</a:t>
             </a:fld>
             <a:endParaRPr lang="ko-KR" altLang="en-US"/>
           </a:p>
@@ -465,7 +465,7 @@
           <a:p>
             <a:fld id="{FB30EDBD-1C2D-4C1E-B459-B60219FAB484}" type="datetimeFigureOut">
               <a:rPr lang="ko-KR" altLang="en-US" smtClean="0"/>
-              <a:t>2020-09-26</a:t>
+              <a:t>2020-10-17</a:t>
             </a:fld>
             <a:endParaRPr lang="ko-KR" altLang="en-US"/>
           </a:p>
@@ -640,7 +640,7 @@
           <a:p>
             <a:fld id="{FB30EDBD-1C2D-4C1E-B459-B60219FAB484}" type="datetimeFigureOut">
               <a:rPr lang="ko-KR" altLang="en-US" smtClean="0"/>
-              <a:t>2020-09-26</a:t>
+              <a:t>2020-10-17</a:t>
             </a:fld>
             <a:endParaRPr lang="ko-KR" altLang="en-US"/>
           </a:p>
@@ -805,7 +805,7 @@
           <a:p>
             <a:fld id="{FB30EDBD-1C2D-4C1E-B459-B60219FAB484}" type="datetimeFigureOut">
               <a:rPr lang="ko-KR" altLang="en-US" smtClean="0"/>
-              <a:t>2020-09-26</a:t>
+              <a:t>2020-10-17</a:t>
             </a:fld>
             <a:endParaRPr lang="ko-KR" altLang="en-US"/>
           </a:p>
@@ -1046,7 +1046,7 @@
           <a:p>
             <a:fld id="{FB30EDBD-1C2D-4C1E-B459-B60219FAB484}" type="datetimeFigureOut">
               <a:rPr lang="ko-KR" altLang="en-US" smtClean="0"/>
-              <a:t>2020-09-26</a:t>
+              <a:t>2020-10-17</a:t>
             </a:fld>
             <a:endParaRPr lang="ko-KR" altLang="en-US"/>
           </a:p>
@@ -1329,7 +1329,7 @@
           <a:p>
             <a:fld id="{FB30EDBD-1C2D-4C1E-B459-B60219FAB484}" type="datetimeFigureOut">
               <a:rPr lang="ko-KR" altLang="en-US" smtClean="0"/>
-              <a:t>2020-09-26</a:t>
+              <a:t>2020-10-17</a:t>
             </a:fld>
             <a:endParaRPr lang="ko-KR" altLang="en-US"/>
           </a:p>
@@ -1746,7 +1746,7 @@
           <a:p>
             <a:fld id="{FB30EDBD-1C2D-4C1E-B459-B60219FAB484}" type="datetimeFigureOut">
               <a:rPr lang="ko-KR" altLang="en-US" smtClean="0"/>
-              <a:t>2020-09-26</a:t>
+              <a:t>2020-10-17</a:t>
             </a:fld>
             <a:endParaRPr lang="ko-KR" altLang="en-US"/>
           </a:p>
@@ -1859,7 +1859,7 @@
           <a:p>
             <a:fld id="{FB30EDBD-1C2D-4C1E-B459-B60219FAB484}" type="datetimeFigureOut">
               <a:rPr lang="ko-KR" altLang="en-US" smtClean="0"/>
-              <a:t>2020-09-26</a:t>
+              <a:t>2020-10-17</a:t>
             </a:fld>
             <a:endParaRPr lang="ko-KR" altLang="en-US"/>
           </a:p>
@@ -1949,7 +1949,7 @@
           <a:p>
             <a:fld id="{FB30EDBD-1C2D-4C1E-B459-B60219FAB484}" type="datetimeFigureOut">
               <a:rPr lang="ko-KR" altLang="en-US" smtClean="0"/>
-              <a:t>2020-09-26</a:t>
+              <a:t>2020-10-17</a:t>
             </a:fld>
             <a:endParaRPr lang="ko-KR" altLang="en-US"/>
           </a:p>
@@ -2221,7 +2221,7 @@
           <a:p>
             <a:fld id="{FB30EDBD-1C2D-4C1E-B459-B60219FAB484}" type="datetimeFigureOut">
               <a:rPr lang="ko-KR" altLang="en-US" smtClean="0"/>
-              <a:t>2020-09-26</a:t>
+              <a:t>2020-10-17</a:t>
             </a:fld>
             <a:endParaRPr lang="ko-KR" altLang="en-US"/>
           </a:p>
@@ -2469,7 +2469,7 @@
           <a:p>
             <a:fld id="{FB30EDBD-1C2D-4C1E-B459-B60219FAB484}" type="datetimeFigureOut">
               <a:rPr lang="ko-KR" altLang="en-US" smtClean="0"/>
-              <a:t>2020-09-26</a:t>
+              <a:t>2020-10-17</a:t>
             </a:fld>
             <a:endParaRPr lang="ko-KR" altLang="en-US"/>
           </a:p>
@@ -2677,7 +2677,7 @@
           <a:p>
             <a:fld id="{FB30EDBD-1C2D-4C1E-B459-B60219FAB484}" type="datetimeFigureOut">
               <a:rPr lang="ko-KR" altLang="en-US" smtClean="0"/>
-              <a:t>2020-09-26</a:t>
+              <a:t>2020-10-17</a:t>
             </a:fld>
             <a:endParaRPr lang="ko-KR" altLang="en-US"/>
           </a:p>
@@ -7308,47 +7308,6 @@
           </a:p>
         </p:txBody>
       </p:sp>
-      <p:pic>
-        <p:nvPicPr>
-          <p:cNvPr id="2050" name="Picture 2" descr="C:\Users\Administrator\Downloads\png (3)"/>
-          <p:cNvPicPr>
-            <a:picLocks noChangeAspect="1" noChangeArrowheads="1"/>
-          </p:cNvPicPr>
-          <p:nvPr/>
-        </p:nvPicPr>
-        <p:blipFill>
-          <a:blip r:embed="rId2">
-            <a:extLst>
-              <a:ext uri="{28A0092B-C50C-407E-A947-70E740481C1C}">
-                <a14:useLocalDpi xmlns:a14="http://schemas.microsoft.com/office/drawing/2010/main" val="0"/>
-              </a:ext>
-            </a:extLst>
-          </a:blip>
-          <a:srcRect/>
-          <a:stretch>
-            <a:fillRect/>
-          </a:stretch>
-        </p:blipFill>
-        <p:spPr bwMode="auto">
-          <a:xfrm>
-            <a:off x="2771800" y="1948595"/>
-            <a:ext cx="4041701" cy="4041701"/>
-          </a:xfrm>
-          <a:prstGeom prst="rect">
-            <a:avLst/>
-          </a:prstGeom>
-          <a:noFill/>
-          <a:extLst>
-            <a:ext uri="{909E8E84-426E-40DD-AFC4-6F175D3DCCD1}">
-              <a14:hiddenFill xmlns:a14="http://schemas.microsoft.com/office/drawing/2010/main">
-                <a:solidFill>
-                  <a:srgbClr val="FFFFFF"/>
-                </a:solidFill>
-              </a14:hiddenFill>
-            </a:ext>
-          </a:extLst>
-        </p:spPr>
-      </p:pic>
       <p:sp>
         <p:nvSpPr>
           <p:cNvPr id="5" name="제목 1"/>
@@ -7379,6 +7338,230 @@
             <a:endParaRPr lang="ko-KR" altLang="en-US" dirty="0">
               <a:latin typeface="배달의민족 주아" pitchFamily="18" charset="-127"/>
               <a:ea typeface="배달의민족 주아" pitchFamily="18" charset="-127"/>
+            </a:endParaRPr>
+          </a:p>
+        </p:txBody>
+      </p:sp>
+      <p:sp>
+        <p:nvSpPr>
+          <p:cNvPr id="6" name="제목 1"/>
+          <p:cNvSpPr txBox="1">
+            <a:spLocks/>
+          </p:cNvSpPr>
+          <p:nvPr/>
+        </p:nvSpPr>
+        <p:spPr>
+          <a:xfrm>
+            <a:off x="685800" y="2319015"/>
+            <a:ext cx="7772400" cy="1470025"/>
+          </a:xfrm>
+          <a:prstGeom prst="rect">
+            <a:avLst/>
+          </a:prstGeom>
+        </p:spPr>
+        <p:txBody>
+          <a:bodyPr vert="horz" lIns="91440" tIns="45720" rIns="91440" bIns="45720" rtlCol="0" anchor="ctr">
+            <a:normAutofit fontScale="55000" lnSpcReduction="20000"/>
+          </a:bodyPr>
+          <a:lstStyle>
+            <a:lvl1pPr algn="ctr" defTabSz="914400" rtl="0" eaLnBrk="1" latinLnBrk="1" hangingPunct="1">
+              <a:spcBef>
+                <a:spcPct val="0"/>
+              </a:spcBef>
+              <a:buNone/>
+              <a:defRPr sz="4400" kern="1200">
+                <a:solidFill>
+                  <a:schemeClr val="tx1"/>
+                </a:solidFill>
+                <a:latin typeface="+mj-lt"/>
+                <a:ea typeface="+mj-ea"/>
+                <a:cs typeface="+mj-cs"/>
+              </a:defRPr>
+            </a:lvl1pPr>
+          </a:lstStyle>
+          <a:p>
+            <a:pPr algn="l"/>
+            <a:r>
+              <a:rPr lang="en-US" altLang="ko-KR" dirty="0" smtClean="0">
+                <a:latin typeface="Consolas" pitchFamily="49" charset="0"/>
+                <a:ea typeface="배달의민족 주아" pitchFamily="18" charset="-127"/>
+                <a:cs typeface="Consolas" pitchFamily="49" charset="0"/>
+              </a:rPr>
+              <a:t>console.log(“</a:t>
+            </a:r>
+            <a:r>
+              <a:rPr lang="ko-KR" altLang="en-US" dirty="0" smtClean="0">
+                <a:latin typeface="Consolas" pitchFamily="49" charset="0"/>
+                <a:ea typeface="배달의민족 주아" pitchFamily="18" charset="-127"/>
+                <a:cs typeface="Consolas" pitchFamily="49" charset="0"/>
+              </a:rPr>
+              <a:t>내가 키우는 고양이 이름은 </a:t>
+            </a:r>
+            <a:r>
+              <a:rPr lang="ko-KR" altLang="en-US" dirty="0" err="1" smtClean="0">
+                <a:latin typeface="Consolas" pitchFamily="49" charset="0"/>
+                <a:ea typeface="배달의민족 주아" pitchFamily="18" charset="-127"/>
+                <a:cs typeface="Consolas" pitchFamily="49" charset="0"/>
+              </a:rPr>
+              <a:t>미옹이에요</a:t>
+            </a:r>
+            <a:r>
+              <a:rPr lang="en-US" altLang="ko-KR" dirty="0" smtClean="0">
+                <a:latin typeface="Consolas" pitchFamily="49" charset="0"/>
+                <a:ea typeface="배달의민족 주아" pitchFamily="18" charset="-127"/>
+                <a:cs typeface="Consolas" pitchFamily="49" charset="0"/>
+              </a:rPr>
+              <a:t>”)</a:t>
+            </a:r>
+          </a:p>
+          <a:p>
+            <a:pPr algn="l"/>
+            <a:r>
+              <a:rPr lang="en-US" altLang="ko-KR" dirty="0">
+                <a:latin typeface="Consolas" pitchFamily="49" charset="0"/>
+                <a:ea typeface="배달의민족 주아" pitchFamily="18" charset="-127"/>
+                <a:cs typeface="Consolas" pitchFamily="49" charset="0"/>
+              </a:rPr>
+              <a:t>console.log</a:t>
+            </a:r>
+            <a:r>
+              <a:rPr lang="en-US" altLang="ko-KR" dirty="0" smtClean="0">
+                <a:latin typeface="Consolas" pitchFamily="49" charset="0"/>
+                <a:ea typeface="배달의민족 주아" pitchFamily="18" charset="-127"/>
+                <a:cs typeface="Consolas" pitchFamily="49" charset="0"/>
+              </a:rPr>
+              <a:t>(“</a:t>
+            </a:r>
+            <a:r>
+              <a:rPr lang="ko-KR" altLang="en-US" dirty="0" err="1" smtClean="0">
+                <a:latin typeface="Consolas" pitchFamily="49" charset="0"/>
+                <a:ea typeface="배달의민족 주아" pitchFamily="18" charset="-127"/>
+                <a:cs typeface="Consolas" pitchFamily="49" charset="0"/>
+              </a:rPr>
+              <a:t>미옹이는</a:t>
+            </a:r>
+            <a:r>
+              <a:rPr lang="ko-KR" altLang="en-US" dirty="0" smtClean="0">
+                <a:latin typeface="Consolas" pitchFamily="49" charset="0"/>
+                <a:ea typeface="배달의민족 주아" pitchFamily="18" charset="-127"/>
+                <a:cs typeface="Consolas" pitchFamily="49" charset="0"/>
+              </a:rPr>
+              <a:t> </a:t>
+            </a:r>
+            <a:r>
+              <a:rPr lang="ko-KR" altLang="en-US" dirty="0" err="1" smtClean="0">
+                <a:latin typeface="Consolas" pitchFamily="49" charset="0"/>
+                <a:ea typeface="배달의민족 주아" pitchFamily="18" charset="-127"/>
+                <a:cs typeface="Consolas" pitchFamily="49" charset="0"/>
+              </a:rPr>
+              <a:t>러시안블루</a:t>
+            </a:r>
+            <a:r>
+              <a:rPr lang="ko-KR" altLang="en-US" dirty="0" smtClean="0">
+                <a:latin typeface="Consolas" pitchFamily="49" charset="0"/>
+                <a:ea typeface="배달의민족 주아" pitchFamily="18" charset="-127"/>
+                <a:cs typeface="Consolas" pitchFamily="49" charset="0"/>
+              </a:rPr>
+              <a:t> 입니다</a:t>
+            </a:r>
+            <a:r>
+              <a:rPr lang="en-US" altLang="ko-KR" dirty="0" smtClean="0">
+                <a:latin typeface="Consolas" pitchFamily="49" charset="0"/>
+                <a:ea typeface="배달의민족 주아" pitchFamily="18" charset="-127"/>
+                <a:cs typeface="Consolas" pitchFamily="49" charset="0"/>
+              </a:rPr>
+              <a:t>”)</a:t>
+            </a:r>
+          </a:p>
+          <a:p>
+            <a:pPr algn="l"/>
+            <a:r>
+              <a:rPr lang="en-US" altLang="ko-KR" dirty="0">
+                <a:latin typeface="Consolas" pitchFamily="49" charset="0"/>
+                <a:ea typeface="배달의민족 주아" pitchFamily="18" charset="-127"/>
+                <a:cs typeface="Consolas" pitchFamily="49" charset="0"/>
+              </a:rPr>
+              <a:t>console.log</a:t>
+            </a:r>
+            <a:r>
+              <a:rPr lang="en-US" altLang="ko-KR" dirty="0" smtClean="0">
+                <a:latin typeface="Consolas" pitchFamily="49" charset="0"/>
+                <a:ea typeface="배달의민족 주아" pitchFamily="18" charset="-127"/>
+                <a:cs typeface="Consolas" pitchFamily="49" charset="0"/>
+              </a:rPr>
+              <a:t>(“</a:t>
+            </a:r>
+            <a:r>
+              <a:rPr lang="ko-KR" altLang="en-US" dirty="0" err="1" smtClean="0">
+                <a:latin typeface="Consolas" pitchFamily="49" charset="0"/>
+                <a:ea typeface="배달의민족 주아" pitchFamily="18" charset="-127"/>
+                <a:cs typeface="Consolas" pitchFamily="49" charset="0"/>
+              </a:rPr>
+              <a:t>미옹이는</a:t>
+            </a:r>
+            <a:r>
+              <a:rPr lang="ko-KR" altLang="en-US" dirty="0" smtClean="0">
+                <a:latin typeface="Consolas" pitchFamily="49" charset="0"/>
+                <a:ea typeface="배달의민족 주아" pitchFamily="18" charset="-127"/>
+                <a:cs typeface="Consolas" pitchFamily="49" charset="0"/>
+              </a:rPr>
+              <a:t> 먹는 것을 너무 좋아해요</a:t>
+            </a:r>
+            <a:r>
+              <a:rPr lang="en-US" altLang="ko-KR" dirty="0" smtClean="0">
+                <a:latin typeface="Consolas" pitchFamily="49" charset="0"/>
+                <a:ea typeface="배달의민족 주아" pitchFamily="18" charset="-127"/>
+                <a:cs typeface="Consolas" pitchFamily="49" charset="0"/>
+              </a:rPr>
+              <a:t>”)</a:t>
+            </a:r>
+          </a:p>
+          <a:p>
+            <a:pPr algn="l"/>
+            <a:r>
+              <a:rPr lang="en-US" altLang="ko-KR" dirty="0">
+                <a:latin typeface="Consolas" pitchFamily="49" charset="0"/>
+                <a:ea typeface="배달의민족 주아" pitchFamily="18" charset="-127"/>
+                <a:cs typeface="Consolas" pitchFamily="49" charset="0"/>
+              </a:rPr>
+              <a:t>console.log</a:t>
+            </a:r>
+            <a:r>
+              <a:rPr lang="en-US" altLang="ko-KR" dirty="0" smtClean="0">
+                <a:latin typeface="Consolas" pitchFamily="49" charset="0"/>
+                <a:ea typeface="배달의민족 주아" pitchFamily="18" charset="-127"/>
+                <a:cs typeface="Consolas" pitchFamily="49" charset="0"/>
+              </a:rPr>
+              <a:t>(“</a:t>
+            </a:r>
+            <a:r>
+              <a:rPr lang="ko-KR" altLang="en-US" dirty="0" err="1" smtClean="0">
+                <a:latin typeface="Consolas" pitchFamily="49" charset="0"/>
+                <a:ea typeface="배달의민족 주아" pitchFamily="18" charset="-127"/>
+                <a:cs typeface="Consolas" pitchFamily="49" charset="0"/>
+              </a:rPr>
+              <a:t>미옹이는</a:t>
+            </a:r>
+            <a:r>
+              <a:rPr lang="ko-KR" altLang="en-US" dirty="0" smtClean="0">
+                <a:latin typeface="Consolas" pitchFamily="49" charset="0"/>
+                <a:ea typeface="배달의민족 주아" pitchFamily="18" charset="-127"/>
+                <a:cs typeface="Consolas" pitchFamily="49" charset="0"/>
+              </a:rPr>
+              <a:t> 애교가 넘쳐요</a:t>
+            </a:r>
+            <a:r>
+              <a:rPr lang="en-US" altLang="ko-KR" dirty="0" smtClean="0">
+                <a:latin typeface="Consolas" pitchFamily="49" charset="0"/>
+                <a:ea typeface="배달의민족 주아" pitchFamily="18" charset="-127"/>
+                <a:cs typeface="Consolas" pitchFamily="49" charset="0"/>
+              </a:rPr>
+              <a:t>”)</a:t>
+            </a:r>
+            <a:endParaRPr lang="ko-KR" altLang="en-US" dirty="0">
+              <a:latin typeface="Consolas" pitchFamily="49" charset="0"/>
+              <a:ea typeface="배달의민족 주아" pitchFamily="18" charset="-127"/>
+              <a:cs typeface="Consolas" pitchFamily="49" charset="0"/>
             </a:endParaRPr>
           </a:p>
         </p:txBody>
@@ -7396,9 +7579,88 @@
   <p:timing>
     <p:tnLst>
       <p:par>
-        <p:cTn id="1" dur="indefinite" restart="never" nodeType="tmRoot"/>
+        <p:cTn id="1" dur="indefinite" restart="never" nodeType="tmRoot">
+          <p:childTnLst>
+            <p:seq concurrent="1" nextAc="seek">
+              <p:cTn id="2" dur="indefinite" nodeType="mainSeq">
+                <p:childTnLst>
+                  <p:par>
+                    <p:cTn id="3" fill="hold">
+                      <p:stCondLst>
+                        <p:cond delay="indefinite"/>
+                      </p:stCondLst>
+                      <p:childTnLst>
+                        <p:par>
+                          <p:cTn id="4" fill="hold">
+                            <p:stCondLst>
+                              <p:cond delay="0"/>
+                            </p:stCondLst>
+                            <p:childTnLst>
+                              <p:par>
+                                <p:cTn id="5" presetID="10" presetClass="entr" presetSubtype="0" fill="hold" grpId="0" nodeType="clickEffect">
+                                  <p:stCondLst>
+                                    <p:cond delay="0"/>
+                                  </p:stCondLst>
+                                  <p:childTnLst>
+                                    <p:set>
+                                      <p:cBhvr>
+                                        <p:cTn id="6" dur="1" fill="hold">
+                                          <p:stCondLst>
+                                            <p:cond delay="0"/>
+                                          </p:stCondLst>
+                                        </p:cTn>
+                                        <p:tgtEl>
+                                          <p:spTgt spid="6"/>
+                                        </p:tgtEl>
+                                        <p:attrNameLst>
+                                          <p:attrName>style.visibility</p:attrName>
+                                        </p:attrNameLst>
+                                      </p:cBhvr>
+                                      <p:to>
+                                        <p:strVal val="visible"/>
+                                      </p:to>
+                                    </p:set>
+                                    <p:animEffect transition="in" filter="fade">
+                                      <p:cBhvr>
+                                        <p:cTn id="7" dur="500"/>
+                                        <p:tgtEl>
+                                          <p:spTgt spid="6"/>
+                                        </p:tgtEl>
+                                      </p:cBhvr>
+                                    </p:animEffect>
+                                  </p:childTnLst>
+                                </p:cTn>
+                              </p:par>
+                            </p:childTnLst>
+                          </p:cTn>
+                        </p:par>
+                      </p:childTnLst>
+                    </p:cTn>
+                  </p:par>
+                </p:childTnLst>
+              </p:cTn>
+              <p:prevCondLst>
+                <p:cond evt="onPrev" delay="0">
+                  <p:tgtEl>
+                    <p:sldTgt/>
+                  </p:tgtEl>
+                </p:cond>
+              </p:prevCondLst>
+              <p:nextCondLst>
+                <p:cond evt="onNext" delay="0">
+                  <p:tgtEl>
+                    <p:sldTgt/>
+                  </p:tgtEl>
+                </p:cond>
+              </p:nextCondLst>
+            </p:seq>
+          </p:childTnLst>
+        </p:cTn>
       </p:par>
     </p:tnLst>
+    <p:bldLst>
+      <p:bldP spid="6" grpId="0"/>
+    </p:bldLst>
   </p:timing>
 </p:sld>
 </file>
@@ -7506,8 +7768,8 @@
         </p:blipFill>
         <p:spPr bwMode="auto">
           <a:xfrm>
-            <a:off x="2483768" y="1124744"/>
-            <a:ext cx="4238600" cy="4238600"/>
+            <a:off x="2771800" y="2132856"/>
+            <a:ext cx="3600400" cy="3600400"/>
           </a:xfrm>
           <a:prstGeom prst="rect">
             <a:avLst/>
@@ -7524,6 +7786,47 @@
           </a:extLst>
         </p:spPr>
       </p:pic>
+      <p:sp>
+        <p:nvSpPr>
+          <p:cNvPr id="4" name="제목 1"/>
+          <p:cNvSpPr>
+            <a:spLocks noGrp="1"/>
+          </p:cNvSpPr>
+          <p:nvPr>
+            <p:ph type="ctrTitle"/>
+          </p:nvPr>
+        </p:nvSpPr>
+        <p:spPr>
+          <a:xfrm>
+            <a:off x="683568" y="548680"/>
+            <a:ext cx="7772400" cy="1470025"/>
+          </a:xfrm>
+        </p:spPr>
+        <p:txBody>
+          <a:bodyPr/>
+          <a:lstStyle/>
+          <a:p>
+            <a:r>
+              <a:rPr lang="ko-KR" altLang="en-US" smtClean="0">
+                <a:latin typeface="배달의민족 주아" pitchFamily="18" charset="-127"/>
+                <a:ea typeface="배달의민족 주아" pitchFamily="18" charset="-127"/>
+              </a:rPr>
+              <a:t>쇼핑</a:t>
+            </a:r>
+            <a:r>
+              <a:rPr lang="ko-KR" altLang="en-US">
+                <a:latin typeface="배달의민족 주아" pitchFamily="18" charset="-127"/>
+                <a:ea typeface="배달의민족 주아" pitchFamily="18" charset="-127"/>
+              </a:rPr>
+              <a:t>몰</a:t>
+            </a:r>
+            <a:endParaRPr lang="ko-KR" altLang="en-US" dirty="0">
+              <a:latin typeface="배달의민족 주아" pitchFamily="18" charset="-127"/>
+              <a:ea typeface="배달의민족 주아" pitchFamily="18" charset="-127"/>
+            </a:endParaRPr>
+          </a:p>
+        </p:txBody>
+      </p:sp>
     </p:spTree>
     <p:extLst>
       <p:ext uri="{BB962C8B-B14F-4D97-AF65-F5344CB8AC3E}">
